--- a/Presentation.pptx
+++ b/Presentation.pptx
@@ -7,6 +7,9 @@
     <p:sldMasterId id="2147483696" r:id="rId3"/>
     <p:sldMasterId id="2147483708" r:id="rId4"/>
   </p:sldMasterIdLst>
+  <p:notesMasterIdLst>
+    <p:notesMasterId r:id="rId18"/>
+  </p:notesMasterIdLst>
   <p:sldIdLst>
     <p:sldId id="256" r:id="rId5"/>
     <p:sldId id="259" r:id="rId6"/>
@@ -119,7 +122,1053 @@
       </a:defRPr>
     </a:lvl9pPr>
   </p:defaultTextStyle>
+  <p:extLst>
+    <p:ext uri="{521415D9-36F7-43E2-AB2F-B90AF26B5E84}">
+      <p14:sectionLst xmlns:p14="http://schemas.microsoft.com/office/powerpoint/2010/main">
+        <p14:section name="Introduction" id="{3E2A6E36-177D-4265-9FEB-386AB1639A6E}">
+          <p14:sldIdLst>
+            <p14:sldId id="256"/>
+            <p14:sldId id="259"/>
+            <p14:sldId id="257"/>
+            <p14:sldId id="258"/>
+          </p14:sldIdLst>
+        </p14:section>
+        <p14:section name="Covariance" id="{E723AF7C-9A8D-4339-B42B-E2E80ADBC47E}">
+          <p14:sldIdLst>
+            <p14:sldId id="260"/>
+            <p14:sldId id="261"/>
+          </p14:sldIdLst>
+        </p14:section>
+        <p14:section name="Contravariance" id="{D0C3810B-5F63-4F30-A8A1-5F397D10137A}">
+          <p14:sldIdLst>
+            <p14:sldId id="262"/>
+            <p14:sldId id="263"/>
+          </p14:sldIdLst>
+        </p14:section>
+        <p14:section name="Bonus Round" id="{DAB0AF68-F167-48E1-A110-89785115F546}">
+          <p14:sldIdLst>
+            <p14:sldId id="264"/>
+            <p14:sldId id="266"/>
+            <p14:sldId id="265"/>
+            <p14:sldId id="267"/>
+            <p14:sldId id="268"/>
+          </p14:sldIdLst>
+        </p14:section>
+      </p14:sectionLst>
+    </p:ext>
+    <p:ext uri="{EFAFB233-063F-42B5-8137-9DF3F51BA10A}">
+      <p15:sldGuideLst xmlns:p15="http://schemas.microsoft.com/office/powerpoint/2012/main"/>
+    </p:ext>
+  </p:extLst>
 </p:presentation>
+</file>
+
+<file path=ppt/notesMasters/notesMaster1.xml><?xml version="1.0" encoding="utf-8"?>
+<p:notesMaster xmlns:a="http://schemas.openxmlformats.org/drawingml/2006/main" xmlns:r="http://schemas.openxmlformats.org/officeDocument/2006/relationships" xmlns:p="http://schemas.openxmlformats.org/presentationml/2006/main">
+  <p:cSld>
+    <p:bg>
+      <p:bgRef idx="1001">
+        <a:schemeClr val="bg1"/>
+      </p:bgRef>
+    </p:bg>
+    <p:spTree>
+      <p:nvGrpSpPr>
+        <p:cNvPr id="1" name=""/>
+        <p:cNvGrpSpPr/>
+        <p:nvPr/>
+      </p:nvGrpSpPr>
+      <p:grpSpPr>
+        <a:xfrm>
+          <a:off x="0" y="0"/>
+          <a:ext cx="0" cy="0"/>
+          <a:chOff x="0" y="0"/>
+          <a:chExt cx="0" cy="0"/>
+        </a:xfrm>
+      </p:grpSpPr>
+      <p:sp>
+        <p:nvSpPr>
+          <p:cNvPr id="2" name="Header Placeholder 1"/>
+          <p:cNvSpPr>
+            <a:spLocks noGrp="1"/>
+          </p:cNvSpPr>
+          <p:nvPr>
+            <p:ph type="hdr" sz="quarter"/>
+          </p:nvPr>
+        </p:nvSpPr>
+        <p:spPr>
+          <a:xfrm>
+            <a:off x="0" y="0"/>
+            <a:ext cx="2971800" cy="458788"/>
+          </a:xfrm>
+          <a:prstGeom prst="rect">
+            <a:avLst/>
+          </a:prstGeom>
+        </p:spPr>
+        <p:txBody>
+          <a:bodyPr vert="horz" lIns="91440" tIns="45720" rIns="91440" bIns="45720" rtlCol="0"/>
+          <a:lstStyle>
+            <a:lvl1pPr algn="l">
+              <a:defRPr sz="1200"/>
+            </a:lvl1pPr>
+          </a:lstStyle>
+          <a:p>
+            <a:endParaRPr lang="en-US"/>
+          </a:p>
+        </p:txBody>
+      </p:sp>
+      <p:sp>
+        <p:nvSpPr>
+          <p:cNvPr id="3" name="Date Placeholder 2"/>
+          <p:cNvSpPr>
+            <a:spLocks noGrp="1"/>
+          </p:cNvSpPr>
+          <p:nvPr>
+            <p:ph type="dt" idx="1"/>
+          </p:nvPr>
+        </p:nvSpPr>
+        <p:spPr>
+          <a:xfrm>
+            <a:off x="3884613" y="0"/>
+            <a:ext cx="2971800" cy="458788"/>
+          </a:xfrm>
+          <a:prstGeom prst="rect">
+            <a:avLst/>
+          </a:prstGeom>
+        </p:spPr>
+        <p:txBody>
+          <a:bodyPr vert="horz" lIns="91440" tIns="45720" rIns="91440" bIns="45720" rtlCol="0"/>
+          <a:lstStyle>
+            <a:lvl1pPr algn="r">
+              <a:defRPr sz="1200"/>
+            </a:lvl1pPr>
+          </a:lstStyle>
+          <a:p>
+            <a:fld id="{4FE3D008-BC70-435F-B009-36E393A93D4F}" type="datetimeFigureOut">
+              <a:rPr lang="en-US" smtClean="0"/>
+              <a:t>11/8/2018</a:t>
+            </a:fld>
+            <a:endParaRPr lang="en-US"/>
+          </a:p>
+        </p:txBody>
+      </p:sp>
+      <p:sp>
+        <p:nvSpPr>
+          <p:cNvPr id="4" name="Slide Image Placeholder 3"/>
+          <p:cNvSpPr>
+            <a:spLocks noGrp="1" noRot="1" noChangeAspect="1"/>
+          </p:cNvSpPr>
+          <p:nvPr>
+            <p:ph type="sldImg" idx="2"/>
+          </p:nvPr>
+        </p:nvSpPr>
+        <p:spPr>
+          <a:xfrm>
+            <a:off x="685800" y="1143000"/>
+            <a:ext cx="5486400" cy="3086100"/>
+          </a:xfrm>
+          <a:prstGeom prst="rect">
+            <a:avLst/>
+          </a:prstGeom>
+          <a:noFill/>
+          <a:ln w="12700">
+            <a:solidFill>
+              <a:prstClr val="black"/>
+            </a:solidFill>
+          </a:ln>
+        </p:spPr>
+        <p:txBody>
+          <a:bodyPr vert="horz" lIns="91440" tIns="45720" rIns="91440" bIns="45720" rtlCol="0" anchor="ctr"/>
+          <a:lstStyle/>
+          <a:p>
+            <a:endParaRPr lang="en-US"/>
+          </a:p>
+        </p:txBody>
+      </p:sp>
+      <p:sp>
+        <p:nvSpPr>
+          <p:cNvPr id="5" name="Notes Placeholder 4"/>
+          <p:cNvSpPr>
+            <a:spLocks noGrp="1"/>
+          </p:cNvSpPr>
+          <p:nvPr>
+            <p:ph type="body" sz="quarter" idx="3"/>
+          </p:nvPr>
+        </p:nvSpPr>
+        <p:spPr>
+          <a:xfrm>
+            <a:off x="685800" y="4400550"/>
+            <a:ext cx="5486400" cy="3600450"/>
+          </a:xfrm>
+          <a:prstGeom prst="rect">
+            <a:avLst/>
+          </a:prstGeom>
+        </p:spPr>
+        <p:txBody>
+          <a:bodyPr vert="horz" lIns="91440" tIns="45720" rIns="91440" bIns="45720" rtlCol="0"/>
+          <a:lstStyle/>
+          <a:p>
+            <a:pPr lvl="0"/>
+            <a:r>
+              <a:rPr lang="en-US" smtClean="0"/>
+              <a:t>Click to edit Master text styles</a:t>
+            </a:r>
+          </a:p>
+          <a:p>
+            <a:pPr lvl="1"/>
+            <a:r>
+              <a:rPr lang="en-US" smtClean="0"/>
+              <a:t>Second level</a:t>
+            </a:r>
+          </a:p>
+          <a:p>
+            <a:pPr lvl="2"/>
+            <a:r>
+              <a:rPr lang="en-US" smtClean="0"/>
+              <a:t>Third level</a:t>
+            </a:r>
+          </a:p>
+          <a:p>
+            <a:pPr lvl="3"/>
+            <a:r>
+              <a:rPr lang="en-US" smtClean="0"/>
+              <a:t>Fourth level</a:t>
+            </a:r>
+          </a:p>
+          <a:p>
+            <a:pPr lvl="4"/>
+            <a:r>
+              <a:rPr lang="en-US" smtClean="0"/>
+              <a:t>Fifth level</a:t>
+            </a:r>
+            <a:endParaRPr lang="en-US"/>
+          </a:p>
+        </p:txBody>
+      </p:sp>
+      <p:sp>
+        <p:nvSpPr>
+          <p:cNvPr id="6" name="Footer Placeholder 5"/>
+          <p:cNvSpPr>
+            <a:spLocks noGrp="1"/>
+          </p:cNvSpPr>
+          <p:nvPr>
+            <p:ph type="ftr" sz="quarter" idx="4"/>
+          </p:nvPr>
+        </p:nvSpPr>
+        <p:spPr>
+          <a:xfrm>
+            <a:off x="0" y="8685213"/>
+            <a:ext cx="2971800" cy="458787"/>
+          </a:xfrm>
+          <a:prstGeom prst="rect">
+            <a:avLst/>
+          </a:prstGeom>
+        </p:spPr>
+        <p:txBody>
+          <a:bodyPr vert="horz" lIns="91440" tIns="45720" rIns="91440" bIns="45720" rtlCol="0" anchor="b"/>
+          <a:lstStyle>
+            <a:lvl1pPr algn="l">
+              <a:defRPr sz="1200"/>
+            </a:lvl1pPr>
+          </a:lstStyle>
+          <a:p>
+            <a:endParaRPr lang="en-US"/>
+          </a:p>
+        </p:txBody>
+      </p:sp>
+      <p:sp>
+        <p:nvSpPr>
+          <p:cNvPr id="7" name="Slide Number Placeholder 6"/>
+          <p:cNvSpPr>
+            <a:spLocks noGrp="1"/>
+          </p:cNvSpPr>
+          <p:nvPr>
+            <p:ph type="sldNum" sz="quarter" idx="5"/>
+          </p:nvPr>
+        </p:nvSpPr>
+        <p:spPr>
+          <a:xfrm>
+            <a:off x="3884613" y="8685213"/>
+            <a:ext cx="2971800" cy="458787"/>
+          </a:xfrm>
+          <a:prstGeom prst="rect">
+            <a:avLst/>
+          </a:prstGeom>
+        </p:spPr>
+        <p:txBody>
+          <a:bodyPr vert="horz" lIns="91440" tIns="45720" rIns="91440" bIns="45720" rtlCol="0" anchor="b"/>
+          <a:lstStyle>
+            <a:lvl1pPr algn="r">
+              <a:defRPr sz="1200"/>
+            </a:lvl1pPr>
+          </a:lstStyle>
+          <a:p>
+            <a:fld id="{33E0F251-1509-435C-B78B-1247E2A636F8}" type="slidenum">
+              <a:rPr lang="en-US" smtClean="0"/>
+              <a:t>‹#›</a:t>
+            </a:fld>
+            <a:endParaRPr lang="en-US"/>
+          </a:p>
+        </p:txBody>
+      </p:sp>
+    </p:spTree>
+    <p:extLst>
+      <p:ext uri="{BB962C8B-B14F-4D97-AF65-F5344CB8AC3E}">
+        <p14:creationId xmlns:p14="http://schemas.microsoft.com/office/powerpoint/2010/main" val="105707039"/>
+      </p:ext>
+    </p:extLst>
+  </p:cSld>
+  <p:clrMap bg1="lt1" tx1="dk1" bg2="lt2" tx2="dk2" accent1="accent1" accent2="accent2" accent3="accent3" accent4="accent4" accent5="accent5" accent6="accent6" hlink="hlink" folHlink="folHlink"/>
+  <p:notesStyle>
+    <a:lvl1pPr marL="0" algn="l" defTabSz="914400" rtl="0" eaLnBrk="1" latinLnBrk="0" hangingPunct="1">
+      <a:defRPr sz="1200" kern="1200">
+        <a:solidFill>
+          <a:schemeClr val="tx1"/>
+        </a:solidFill>
+        <a:latin typeface="+mn-lt"/>
+        <a:ea typeface="+mn-ea"/>
+        <a:cs typeface="+mn-cs"/>
+      </a:defRPr>
+    </a:lvl1pPr>
+    <a:lvl2pPr marL="457200" algn="l" defTabSz="914400" rtl="0" eaLnBrk="1" latinLnBrk="0" hangingPunct="1">
+      <a:defRPr sz="1200" kern="1200">
+        <a:solidFill>
+          <a:schemeClr val="tx1"/>
+        </a:solidFill>
+        <a:latin typeface="+mn-lt"/>
+        <a:ea typeface="+mn-ea"/>
+        <a:cs typeface="+mn-cs"/>
+      </a:defRPr>
+    </a:lvl2pPr>
+    <a:lvl3pPr marL="914400" algn="l" defTabSz="914400" rtl="0" eaLnBrk="1" latinLnBrk="0" hangingPunct="1">
+      <a:defRPr sz="1200" kern="1200">
+        <a:solidFill>
+          <a:schemeClr val="tx1"/>
+        </a:solidFill>
+        <a:latin typeface="+mn-lt"/>
+        <a:ea typeface="+mn-ea"/>
+        <a:cs typeface="+mn-cs"/>
+      </a:defRPr>
+    </a:lvl3pPr>
+    <a:lvl4pPr marL="1371600" algn="l" defTabSz="914400" rtl="0" eaLnBrk="1" latinLnBrk="0" hangingPunct="1">
+      <a:defRPr sz="1200" kern="1200">
+        <a:solidFill>
+          <a:schemeClr val="tx1"/>
+        </a:solidFill>
+        <a:latin typeface="+mn-lt"/>
+        <a:ea typeface="+mn-ea"/>
+        <a:cs typeface="+mn-cs"/>
+      </a:defRPr>
+    </a:lvl4pPr>
+    <a:lvl5pPr marL="1828800" algn="l" defTabSz="914400" rtl="0" eaLnBrk="1" latinLnBrk="0" hangingPunct="1">
+      <a:defRPr sz="1200" kern="1200">
+        <a:solidFill>
+          <a:schemeClr val="tx1"/>
+        </a:solidFill>
+        <a:latin typeface="+mn-lt"/>
+        <a:ea typeface="+mn-ea"/>
+        <a:cs typeface="+mn-cs"/>
+      </a:defRPr>
+    </a:lvl5pPr>
+    <a:lvl6pPr marL="2286000" algn="l" defTabSz="914400" rtl="0" eaLnBrk="1" latinLnBrk="0" hangingPunct="1">
+      <a:defRPr sz="1200" kern="1200">
+        <a:solidFill>
+          <a:schemeClr val="tx1"/>
+        </a:solidFill>
+        <a:latin typeface="+mn-lt"/>
+        <a:ea typeface="+mn-ea"/>
+        <a:cs typeface="+mn-cs"/>
+      </a:defRPr>
+    </a:lvl6pPr>
+    <a:lvl7pPr marL="2743200" algn="l" defTabSz="914400" rtl="0" eaLnBrk="1" latinLnBrk="0" hangingPunct="1">
+      <a:defRPr sz="1200" kern="1200">
+        <a:solidFill>
+          <a:schemeClr val="tx1"/>
+        </a:solidFill>
+        <a:latin typeface="+mn-lt"/>
+        <a:ea typeface="+mn-ea"/>
+        <a:cs typeface="+mn-cs"/>
+      </a:defRPr>
+    </a:lvl7pPr>
+    <a:lvl8pPr marL="3200400" algn="l" defTabSz="914400" rtl="0" eaLnBrk="1" latinLnBrk="0" hangingPunct="1">
+      <a:defRPr sz="1200" kern="1200">
+        <a:solidFill>
+          <a:schemeClr val="tx1"/>
+        </a:solidFill>
+        <a:latin typeface="+mn-lt"/>
+        <a:ea typeface="+mn-ea"/>
+        <a:cs typeface="+mn-cs"/>
+      </a:defRPr>
+    </a:lvl8pPr>
+    <a:lvl9pPr marL="3657600" algn="l" defTabSz="914400" rtl="0" eaLnBrk="1" latinLnBrk="0" hangingPunct="1">
+      <a:defRPr sz="1200" kern="1200">
+        <a:solidFill>
+          <a:schemeClr val="tx1"/>
+        </a:solidFill>
+        <a:latin typeface="+mn-lt"/>
+        <a:ea typeface="+mn-ea"/>
+        <a:cs typeface="+mn-cs"/>
+      </a:defRPr>
+    </a:lvl9pPr>
+  </p:notesStyle>
+</p:notesMaster>
+</file>
+
+<file path=ppt/notesSlides/notesSlide1.xml><?xml version="1.0" encoding="utf-8"?>
+<p:notes xmlns:a="http://schemas.openxmlformats.org/drawingml/2006/main" xmlns:r="http://schemas.openxmlformats.org/officeDocument/2006/relationships" xmlns:p="http://schemas.openxmlformats.org/presentationml/2006/main">
+  <p:cSld>
+    <p:spTree>
+      <p:nvGrpSpPr>
+        <p:cNvPr id="1" name=""/>
+        <p:cNvGrpSpPr/>
+        <p:nvPr/>
+      </p:nvGrpSpPr>
+      <p:grpSpPr>
+        <a:xfrm>
+          <a:off x="0" y="0"/>
+          <a:ext cx="0" cy="0"/>
+          <a:chOff x="0" y="0"/>
+          <a:chExt cx="0" cy="0"/>
+        </a:xfrm>
+      </p:grpSpPr>
+      <p:sp>
+        <p:nvSpPr>
+          <p:cNvPr id="2" name="Slide Image Placeholder 1"/>
+          <p:cNvSpPr>
+            <a:spLocks noGrp="1" noRot="1" noChangeAspect="1"/>
+          </p:cNvSpPr>
+          <p:nvPr>
+            <p:ph type="sldImg"/>
+          </p:nvPr>
+        </p:nvSpPr>
+        <p:spPr/>
+      </p:sp>
+      <p:sp>
+        <p:nvSpPr>
+          <p:cNvPr id="3" name="Notes Placeholder 2"/>
+          <p:cNvSpPr>
+            <a:spLocks noGrp="1"/>
+          </p:cNvSpPr>
+          <p:nvPr>
+            <p:ph type="body" idx="1"/>
+          </p:nvPr>
+        </p:nvSpPr>
+        <p:spPr/>
+        <p:txBody>
+          <a:bodyPr/>
+          <a:lstStyle/>
+          <a:p>
+            <a:r>
+              <a:rPr lang="en-US" dirty="0" smtClean="0"/>
+              <a:t>Covariance is familiar like </a:t>
+            </a:r>
+            <a:r>
+              <a:rPr lang="en-US" dirty="0" err="1" smtClean="0"/>
+              <a:t>Ienumerable</a:t>
+            </a:r>
+            <a:r>
+              <a:rPr lang="en-US" dirty="0" smtClean="0"/>
+              <a:t>.</a:t>
+            </a:r>
+          </a:p>
+          <a:p>
+            <a:r>
+              <a:rPr lang="en-US" dirty="0" smtClean="0"/>
+              <a:t>Covariance, as a property promise, follows traditional Object Polymorphism</a:t>
+            </a:r>
+          </a:p>
+          <a:p>
+            <a:r>
+              <a:rPr lang="en-US" dirty="0" err="1" smtClean="0"/>
+              <a:t>Contravariance</a:t>
+            </a:r>
+            <a:r>
+              <a:rPr lang="en-US" dirty="0" smtClean="0"/>
+              <a:t> is a promise</a:t>
+            </a:r>
+            <a:r>
+              <a:rPr lang="en-US" baseline="0" dirty="0" smtClean="0"/>
+              <a:t> for a function, assigned to an object.</a:t>
+            </a:r>
+          </a:p>
+          <a:p>
+            <a:r>
+              <a:rPr lang="en-US" baseline="0" dirty="0" err="1" smtClean="0"/>
+              <a:t>Contravariance</a:t>
+            </a:r>
+            <a:r>
+              <a:rPr lang="en-US" baseline="0" dirty="0" smtClean="0"/>
+              <a:t> follows function parameter polymorphism</a:t>
+            </a:r>
+            <a:endParaRPr lang="en-US" dirty="0"/>
+          </a:p>
+        </p:txBody>
+      </p:sp>
+      <p:sp>
+        <p:nvSpPr>
+          <p:cNvPr id="4" name="Slide Number Placeholder 3"/>
+          <p:cNvSpPr>
+            <a:spLocks noGrp="1"/>
+          </p:cNvSpPr>
+          <p:nvPr>
+            <p:ph type="sldNum" sz="quarter" idx="10"/>
+          </p:nvPr>
+        </p:nvSpPr>
+        <p:spPr/>
+        <p:txBody>
+          <a:bodyPr/>
+          <a:lstStyle/>
+          <a:p>
+            <a:fld id="{33E0F251-1509-435C-B78B-1247E2A636F8}" type="slidenum">
+              <a:rPr lang="en-US" smtClean="0"/>
+              <a:t>3</a:t>
+            </a:fld>
+            <a:endParaRPr lang="en-US"/>
+          </a:p>
+        </p:txBody>
+      </p:sp>
+    </p:spTree>
+    <p:extLst>
+      <p:ext uri="{BB962C8B-B14F-4D97-AF65-F5344CB8AC3E}">
+        <p14:creationId xmlns:p14="http://schemas.microsoft.com/office/powerpoint/2010/main" val="1448936917"/>
+      </p:ext>
+    </p:extLst>
+  </p:cSld>
+  <p:clrMapOvr>
+    <a:masterClrMapping/>
+  </p:clrMapOvr>
+</p:notes>
+</file>
+
+<file path=ppt/notesSlides/notesSlide2.xml><?xml version="1.0" encoding="utf-8"?>
+<p:notes xmlns:a="http://schemas.openxmlformats.org/drawingml/2006/main" xmlns:r="http://schemas.openxmlformats.org/officeDocument/2006/relationships" xmlns:p="http://schemas.openxmlformats.org/presentationml/2006/main">
+  <p:cSld>
+    <p:spTree>
+      <p:nvGrpSpPr>
+        <p:cNvPr id="1" name=""/>
+        <p:cNvGrpSpPr/>
+        <p:nvPr/>
+      </p:nvGrpSpPr>
+      <p:grpSpPr>
+        <a:xfrm>
+          <a:off x="0" y="0"/>
+          <a:ext cx="0" cy="0"/>
+          <a:chOff x="0" y="0"/>
+          <a:chExt cx="0" cy="0"/>
+        </a:xfrm>
+      </p:grpSpPr>
+      <p:sp>
+        <p:nvSpPr>
+          <p:cNvPr id="2" name="Slide Image Placeholder 1"/>
+          <p:cNvSpPr>
+            <a:spLocks noGrp="1" noRot="1" noChangeAspect="1"/>
+          </p:cNvSpPr>
+          <p:nvPr>
+            <p:ph type="sldImg"/>
+          </p:nvPr>
+        </p:nvSpPr>
+        <p:spPr/>
+      </p:sp>
+      <p:sp>
+        <p:nvSpPr>
+          <p:cNvPr id="3" name="Notes Placeholder 2"/>
+          <p:cNvSpPr>
+            <a:spLocks noGrp="1"/>
+          </p:cNvSpPr>
+          <p:nvPr>
+            <p:ph type="body" idx="1"/>
+          </p:nvPr>
+        </p:nvSpPr>
+        <p:spPr/>
+        <p:txBody>
+          <a:bodyPr/>
+          <a:lstStyle/>
+          <a:p>
+            <a:endParaRPr lang="en-US" dirty="0"/>
+          </a:p>
+        </p:txBody>
+      </p:sp>
+      <p:sp>
+        <p:nvSpPr>
+          <p:cNvPr id="4" name="Slide Number Placeholder 3"/>
+          <p:cNvSpPr>
+            <a:spLocks noGrp="1"/>
+          </p:cNvSpPr>
+          <p:nvPr>
+            <p:ph type="sldNum" sz="quarter" idx="10"/>
+          </p:nvPr>
+        </p:nvSpPr>
+        <p:spPr/>
+        <p:txBody>
+          <a:bodyPr/>
+          <a:lstStyle/>
+          <a:p>
+            <a:fld id="{33E0F251-1509-435C-B78B-1247E2A636F8}" type="slidenum">
+              <a:rPr lang="en-US" smtClean="0"/>
+              <a:t>4</a:t>
+            </a:fld>
+            <a:endParaRPr lang="en-US"/>
+          </a:p>
+        </p:txBody>
+      </p:sp>
+    </p:spTree>
+    <p:extLst>
+      <p:ext uri="{BB962C8B-B14F-4D97-AF65-F5344CB8AC3E}">
+        <p14:creationId xmlns:p14="http://schemas.microsoft.com/office/powerpoint/2010/main" val="2592132679"/>
+      </p:ext>
+    </p:extLst>
+  </p:cSld>
+  <p:clrMapOvr>
+    <a:masterClrMapping/>
+  </p:clrMapOvr>
+</p:notes>
+</file>
+
+<file path=ppt/notesSlides/notesSlide3.xml><?xml version="1.0" encoding="utf-8"?>
+<p:notes xmlns:a="http://schemas.openxmlformats.org/drawingml/2006/main" xmlns:r="http://schemas.openxmlformats.org/officeDocument/2006/relationships" xmlns:p="http://schemas.openxmlformats.org/presentationml/2006/main">
+  <p:cSld>
+    <p:spTree>
+      <p:nvGrpSpPr>
+        <p:cNvPr id="1" name=""/>
+        <p:cNvGrpSpPr/>
+        <p:nvPr/>
+      </p:nvGrpSpPr>
+      <p:grpSpPr>
+        <a:xfrm>
+          <a:off x="0" y="0"/>
+          <a:ext cx="0" cy="0"/>
+          <a:chOff x="0" y="0"/>
+          <a:chExt cx="0" cy="0"/>
+        </a:xfrm>
+      </p:grpSpPr>
+      <p:sp>
+        <p:nvSpPr>
+          <p:cNvPr id="2" name="Slide Image Placeholder 1"/>
+          <p:cNvSpPr>
+            <a:spLocks noGrp="1" noRot="1" noChangeAspect="1"/>
+          </p:cNvSpPr>
+          <p:nvPr>
+            <p:ph type="sldImg"/>
+          </p:nvPr>
+        </p:nvSpPr>
+        <p:spPr/>
+      </p:sp>
+      <p:sp>
+        <p:nvSpPr>
+          <p:cNvPr id="3" name="Notes Placeholder 2"/>
+          <p:cNvSpPr>
+            <a:spLocks noGrp="1"/>
+          </p:cNvSpPr>
+          <p:nvPr>
+            <p:ph type="body" idx="1"/>
+          </p:nvPr>
+        </p:nvSpPr>
+        <p:spPr/>
+        <p:txBody>
+          <a:bodyPr/>
+          <a:lstStyle/>
+          <a:p>
+            <a:r>
+              <a:rPr lang="en-US" dirty="0" smtClean="0"/>
+              <a:t>ALT + TAB</a:t>
+            </a:r>
+            <a:endParaRPr lang="en-US" dirty="0"/>
+          </a:p>
+        </p:txBody>
+      </p:sp>
+      <p:sp>
+        <p:nvSpPr>
+          <p:cNvPr id="4" name="Slide Number Placeholder 3"/>
+          <p:cNvSpPr>
+            <a:spLocks noGrp="1"/>
+          </p:cNvSpPr>
+          <p:nvPr>
+            <p:ph type="sldNum" sz="quarter" idx="10"/>
+          </p:nvPr>
+        </p:nvSpPr>
+        <p:spPr/>
+        <p:txBody>
+          <a:bodyPr/>
+          <a:lstStyle/>
+          <a:p>
+            <a:fld id="{33E0F251-1509-435C-B78B-1247E2A636F8}" type="slidenum">
+              <a:rPr lang="en-US" smtClean="0"/>
+              <a:t>5</a:t>
+            </a:fld>
+            <a:endParaRPr lang="en-US"/>
+          </a:p>
+        </p:txBody>
+      </p:sp>
+    </p:spTree>
+    <p:extLst>
+      <p:ext uri="{BB962C8B-B14F-4D97-AF65-F5344CB8AC3E}">
+        <p14:creationId xmlns:p14="http://schemas.microsoft.com/office/powerpoint/2010/main" val="3739118675"/>
+      </p:ext>
+    </p:extLst>
+  </p:cSld>
+  <p:clrMapOvr>
+    <a:masterClrMapping/>
+  </p:clrMapOvr>
+</p:notes>
+</file>
+
+<file path=ppt/notesSlides/notesSlide4.xml><?xml version="1.0" encoding="utf-8"?>
+<p:notes xmlns:a="http://schemas.openxmlformats.org/drawingml/2006/main" xmlns:r="http://schemas.openxmlformats.org/officeDocument/2006/relationships" xmlns:p="http://schemas.openxmlformats.org/presentationml/2006/main">
+  <p:cSld>
+    <p:spTree>
+      <p:nvGrpSpPr>
+        <p:cNvPr id="1" name=""/>
+        <p:cNvGrpSpPr/>
+        <p:nvPr/>
+      </p:nvGrpSpPr>
+      <p:grpSpPr>
+        <a:xfrm>
+          <a:off x="0" y="0"/>
+          <a:ext cx="0" cy="0"/>
+          <a:chOff x="0" y="0"/>
+          <a:chExt cx="0" cy="0"/>
+        </a:xfrm>
+      </p:grpSpPr>
+      <p:sp>
+        <p:nvSpPr>
+          <p:cNvPr id="2" name="Slide Image Placeholder 1"/>
+          <p:cNvSpPr>
+            <a:spLocks noGrp="1" noRot="1" noChangeAspect="1"/>
+          </p:cNvSpPr>
+          <p:nvPr>
+            <p:ph type="sldImg"/>
+          </p:nvPr>
+        </p:nvSpPr>
+        <p:spPr/>
+      </p:sp>
+      <p:sp>
+        <p:nvSpPr>
+          <p:cNvPr id="3" name="Notes Placeholder 2"/>
+          <p:cNvSpPr>
+            <a:spLocks noGrp="1"/>
+          </p:cNvSpPr>
+          <p:nvPr>
+            <p:ph type="body" idx="1"/>
+          </p:nvPr>
+        </p:nvSpPr>
+        <p:spPr/>
+        <p:txBody>
+          <a:bodyPr/>
+          <a:lstStyle/>
+          <a:p>
+            <a:endParaRPr lang="en-US" dirty="0"/>
+          </a:p>
+        </p:txBody>
+      </p:sp>
+      <p:sp>
+        <p:nvSpPr>
+          <p:cNvPr id="4" name="Slide Number Placeholder 3"/>
+          <p:cNvSpPr>
+            <a:spLocks noGrp="1"/>
+          </p:cNvSpPr>
+          <p:nvPr>
+            <p:ph type="sldNum" sz="quarter" idx="10"/>
+          </p:nvPr>
+        </p:nvSpPr>
+        <p:spPr/>
+        <p:txBody>
+          <a:bodyPr/>
+          <a:lstStyle/>
+          <a:p>
+            <a:fld id="{33E0F251-1509-435C-B78B-1247E2A636F8}" type="slidenum">
+              <a:rPr lang="en-US" smtClean="0"/>
+              <a:t>6</a:t>
+            </a:fld>
+            <a:endParaRPr lang="en-US"/>
+          </a:p>
+        </p:txBody>
+      </p:sp>
+    </p:spTree>
+    <p:extLst>
+      <p:ext uri="{BB962C8B-B14F-4D97-AF65-F5344CB8AC3E}">
+        <p14:creationId xmlns:p14="http://schemas.microsoft.com/office/powerpoint/2010/main" val="1032438981"/>
+      </p:ext>
+    </p:extLst>
+  </p:cSld>
+  <p:clrMapOvr>
+    <a:masterClrMapping/>
+  </p:clrMapOvr>
+</p:notes>
+</file>
+
+<file path=ppt/notesSlides/notesSlide5.xml><?xml version="1.0" encoding="utf-8"?>
+<p:notes xmlns:a="http://schemas.openxmlformats.org/drawingml/2006/main" xmlns:r="http://schemas.openxmlformats.org/officeDocument/2006/relationships" xmlns:p="http://schemas.openxmlformats.org/presentationml/2006/main">
+  <p:cSld>
+    <p:spTree>
+      <p:nvGrpSpPr>
+        <p:cNvPr id="1" name=""/>
+        <p:cNvGrpSpPr/>
+        <p:nvPr/>
+      </p:nvGrpSpPr>
+      <p:grpSpPr>
+        <a:xfrm>
+          <a:off x="0" y="0"/>
+          <a:ext cx="0" cy="0"/>
+          <a:chOff x="0" y="0"/>
+          <a:chExt cx="0" cy="0"/>
+        </a:xfrm>
+      </p:grpSpPr>
+      <p:sp>
+        <p:nvSpPr>
+          <p:cNvPr id="2" name="Slide Image Placeholder 1"/>
+          <p:cNvSpPr>
+            <a:spLocks noGrp="1" noRot="1" noChangeAspect="1"/>
+          </p:cNvSpPr>
+          <p:nvPr>
+            <p:ph type="sldImg"/>
+          </p:nvPr>
+        </p:nvSpPr>
+        <p:spPr/>
+      </p:sp>
+      <p:sp>
+        <p:nvSpPr>
+          <p:cNvPr id="3" name="Notes Placeholder 2"/>
+          <p:cNvSpPr>
+            <a:spLocks noGrp="1"/>
+          </p:cNvSpPr>
+          <p:nvPr>
+            <p:ph type="body" idx="1"/>
+          </p:nvPr>
+        </p:nvSpPr>
+        <p:spPr/>
+        <p:txBody>
+          <a:bodyPr/>
+          <a:lstStyle/>
+          <a:p>
+            <a:r>
+              <a:rPr lang="en-US" dirty="0" smtClean="0"/>
+              <a:t>ALT + TAB</a:t>
+            </a:r>
+            <a:endParaRPr lang="en-US" dirty="0"/>
+          </a:p>
+        </p:txBody>
+      </p:sp>
+      <p:sp>
+        <p:nvSpPr>
+          <p:cNvPr id="4" name="Slide Number Placeholder 3"/>
+          <p:cNvSpPr>
+            <a:spLocks noGrp="1"/>
+          </p:cNvSpPr>
+          <p:nvPr>
+            <p:ph type="sldNum" sz="quarter" idx="10"/>
+          </p:nvPr>
+        </p:nvSpPr>
+        <p:spPr/>
+        <p:txBody>
+          <a:bodyPr/>
+          <a:lstStyle/>
+          <a:p>
+            <a:fld id="{33E0F251-1509-435C-B78B-1247E2A636F8}" type="slidenum">
+              <a:rPr lang="en-US" smtClean="0"/>
+              <a:t>7</a:t>
+            </a:fld>
+            <a:endParaRPr lang="en-US"/>
+          </a:p>
+        </p:txBody>
+      </p:sp>
+    </p:spTree>
+    <p:extLst>
+      <p:ext uri="{BB962C8B-B14F-4D97-AF65-F5344CB8AC3E}">
+        <p14:creationId xmlns:p14="http://schemas.microsoft.com/office/powerpoint/2010/main" val="1484033006"/>
+      </p:ext>
+    </p:extLst>
+  </p:cSld>
+  <p:clrMapOvr>
+    <a:masterClrMapping/>
+  </p:clrMapOvr>
+</p:notes>
+</file>
+
+<file path=ppt/notesSlides/notesSlide6.xml><?xml version="1.0" encoding="utf-8"?>
+<p:notes xmlns:a="http://schemas.openxmlformats.org/drawingml/2006/main" xmlns:r="http://schemas.openxmlformats.org/officeDocument/2006/relationships" xmlns:p="http://schemas.openxmlformats.org/presentationml/2006/main">
+  <p:cSld>
+    <p:spTree>
+      <p:nvGrpSpPr>
+        <p:cNvPr id="1" name=""/>
+        <p:cNvGrpSpPr/>
+        <p:nvPr/>
+      </p:nvGrpSpPr>
+      <p:grpSpPr>
+        <a:xfrm>
+          <a:off x="0" y="0"/>
+          <a:ext cx="0" cy="0"/>
+          <a:chOff x="0" y="0"/>
+          <a:chExt cx="0" cy="0"/>
+        </a:xfrm>
+      </p:grpSpPr>
+      <p:sp>
+        <p:nvSpPr>
+          <p:cNvPr id="2" name="Slide Image Placeholder 1"/>
+          <p:cNvSpPr>
+            <a:spLocks noGrp="1" noRot="1" noChangeAspect="1"/>
+          </p:cNvSpPr>
+          <p:nvPr>
+            <p:ph type="sldImg"/>
+          </p:nvPr>
+        </p:nvSpPr>
+        <p:spPr/>
+      </p:sp>
+      <p:sp>
+        <p:nvSpPr>
+          <p:cNvPr id="3" name="Notes Placeholder 2"/>
+          <p:cNvSpPr>
+            <a:spLocks noGrp="1"/>
+          </p:cNvSpPr>
+          <p:nvPr>
+            <p:ph type="body" idx="1"/>
+          </p:nvPr>
+        </p:nvSpPr>
+        <p:spPr/>
+        <p:txBody>
+          <a:bodyPr/>
+          <a:lstStyle/>
+          <a:p>
+            <a:r>
+              <a:rPr lang="en-US" dirty="0" smtClean="0"/>
+              <a:t>Ask</a:t>
+            </a:r>
+            <a:r>
+              <a:rPr lang="en-US" baseline="0" dirty="0" smtClean="0"/>
+              <a:t> for Questions first.</a:t>
+            </a:r>
+            <a:endParaRPr lang="en-US" dirty="0"/>
+          </a:p>
+        </p:txBody>
+      </p:sp>
+      <p:sp>
+        <p:nvSpPr>
+          <p:cNvPr id="4" name="Slide Number Placeholder 3"/>
+          <p:cNvSpPr>
+            <a:spLocks noGrp="1"/>
+          </p:cNvSpPr>
+          <p:nvPr>
+            <p:ph type="sldNum" sz="quarter" idx="10"/>
+          </p:nvPr>
+        </p:nvSpPr>
+        <p:spPr/>
+        <p:txBody>
+          <a:bodyPr/>
+          <a:lstStyle/>
+          <a:p>
+            <a:fld id="{33E0F251-1509-435C-B78B-1247E2A636F8}" type="slidenum">
+              <a:rPr lang="en-US" smtClean="0"/>
+              <a:t>9</a:t>
+            </a:fld>
+            <a:endParaRPr lang="en-US"/>
+          </a:p>
+        </p:txBody>
+      </p:sp>
+    </p:spTree>
+    <p:extLst>
+      <p:ext uri="{BB962C8B-B14F-4D97-AF65-F5344CB8AC3E}">
+        <p14:creationId xmlns:p14="http://schemas.microsoft.com/office/powerpoint/2010/main" val="730190470"/>
+      </p:ext>
+    </p:extLst>
+  </p:cSld>
+  <p:clrMapOvr>
+    <a:masterClrMapping/>
+  </p:clrMapOvr>
+</p:notes>
+</file>
+
+<file path=ppt/notesSlides/notesSlide7.xml><?xml version="1.0" encoding="utf-8"?>
+<p:notes xmlns:a="http://schemas.openxmlformats.org/drawingml/2006/main" xmlns:r="http://schemas.openxmlformats.org/officeDocument/2006/relationships" xmlns:p="http://schemas.openxmlformats.org/presentationml/2006/main">
+  <p:cSld>
+    <p:spTree>
+      <p:nvGrpSpPr>
+        <p:cNvPr id="1" name=""/>
+        <p:cNvGrpSpPr/>
+        <p:nvPr/>
+      </p:nvGrpSpPr>
+      <p:grpSpPr>
+        <a:xfrm>
+          <a:off x="0" y="0"/>
+          <a:ext cx="0" cy="0"/>
+          <a:chOff x="0" y="0"/>
+          <a:chExt cx="0" cy="0"/>
+        </a:xfrm>
+      </p:grpSpPr>
+      <p:sp>
+        <p:nvSpPr>
+          <p:cNvPr id="2" name="Slide Image Placeholder 1"/>
+          <p:cNvSpPr>
+            <a:spLocks noGrp="1" noRot="1" noChangeAspect="1"/>
+          </p:cNvSpPr>
+          <p:nvPr>
+            <p:ph type="sldImg"/>
+          </p:nvPr>
+        </p:nvSpPr>
+        <p:spPr/>
+      </p:sp>
+      <p:sp>
+        <p:nvSpPr>
+          <p:cNvPr id="3" name="Notes Placeholder 2"/>
+          <p:cNvSpPr>
+            <a:spLocks noGrp="1"/>
+          </p:cNvSpPr>
+          <p:nvPr>
+            <p:ph type="body" idx="1"/>
+          </p:nvPr>
+        </p:nvSpPr>
+        <p:spPr/>
+        <p:txBody>
+          <a:bodyPr/>
+          <a:lstStyle/>
+          <a:p>
+            <a:r>
+              <a:rPr lang="en-US" dirty="0" smtClean="0"/>
+              <a:t>ALT +</a:t>
+            </a:r>
+            <a:r>
+              <a:rPr lang="en-US" baseline="0" dirty="0" smtClean="0"/>
+              <a:t> TAB, show off </a:t>
+            </a:r>
+            <a:r>
+              <a:rPr lang="en-US" baseline="0" smtClean="0"/>
+              <a:t>new features.</a:t>
+            </a:r>
+            <a:endParaRPr lang="en-US"/>
+          </a:p>
+        </p:txBody>
+      </p:sp>
+      <p:sp>
+        <p:nvSpPr>
+          <p:cNvPr id="4" name="Slide Number Placeholder 3"/>
+          <p:cNvSpPr>
+            <a:spLocks noGrp="1"/>
+          </p:cNvSpPr>
+          <p:nvPr>
+            <p:ph type="sldNum" sz="quarter" idx="10"/>
+          </p:nvPr>
+        </p:nvSpPr>
+        <p:spPr/>
+        <p:txBody>
+          <a:bodyPr/>
+          <a:lstStyle/>
+          <a:p>
+            <a:fld id="{33E0F251-1509-435C-B78B-1247E2A636F8}" type="slidenum">
+              <a:rPr lang="en-US" smtClean="0"/>
+              <a:t>12</a:t>
+            </a:fld>
+            <a:endParaRPr lang="en-US"/>
+          </a:p>
+        </p:txBody>
+      </p:sp>
+    </p:spTree>
+    <p:extLst>
+      <p:ext uri="{BB962C8B-B14F-4D97-AF65-F5344CB8AC3E}">
+        <p14:creationId xmlns:p14="http://schemas.microsoft.com/office/powerpoint/2010/main" val="2440973373"/>
+      </p:ext>
+    </p:extLst>
+  </p:cSld>
+  <p:clrMapOvr>
+    <a:masterClrMapping/>
+  </p:clrMapOvr>
+</p:notes>
 </file>
 
 <file path=ppt/slideLayouts/slideLayout1.xml><?xml version="1.0" encoding="utf-8"?>
@@ -1334,7 +2383,7 @@
             <a:fld id="{9334D819-9F07-4261-B09B-9E467E5D9002}" type="datetimeFigureOut">
               <a:rPr lang="en-US" smtClean="0"/>
               <a:pPr/>
-              <a:t>11/5/2018</a:t>
+              <a:t>11/8/2018</a:t>
             </a:fld>
             <a:endParaRPr lang="en-US" dirty="0"/>
           </a:p>
@@ -1573,7 +2622,7 @@
           <a:p>
             <a:fld id="{9334D819-9F07-4261-B09B-9E467E5D9002}" type="datetimeFigureOut">
               <a:rPr lang="en-US" smtClean="0"/>
-              <a:t>11/5/2018</a:t>
+              <a:t>11/8/2018</a:t>
             </a:fld>
             <a:endParaRPr lang="en-US" dirty="0"/>
           </a:p>
@@ -1753,7 +2802,7 @@
           <a:p>
             <a:fld id="{9334D819-9F07-4261-B09B-9E467E5D9002}" type="datetimeFigureOut">
               <a:rPr lang="en-US" smtClean="0"/>
-              <a:t>11/5/2018</a:t>
+              <a:t>11/8/2018</a:t>
             </a:fld>
             <a:endParaRPr lang="en-US" dirty="0"/>
           </a:p>
@@ -3026,7 +4075,7 @@
             <a:fld id="{9334D819-9F07-4261-B09B-9E467E5D9002}" type="datetimeFigureOut">
               <a:rPr lang="en-US" smtClean="0"/>
               <a:pPr/>
-              <a:t>11/5/2018</a:t>
+              <a:t>11/8/2018</a:t>
             </a:fld>
             <a:endParaRPr lang="en-US" dirty="0"/>
           </a:p>
@@ -3265,7 +4314,7 @@
           <a:p>
             <a:fld id="{9334D819-9F07-4261-B09B-9E467E5D9002}" type="datetimeFigureOut">
               <a:rPr lang="en-US" smtClean="0"/>
-              <a:t>11/5/2018</a:t>
+              <a:t>11/8/2018</a:t>
             </a:fld>
             <a:endParaRPr lang="en-US" dirty="0"/>
           </a:p>
@@ -3542,7 +4591,7 @@
             <a:fld id="{9334D819-9F07-4261-B09B-9E467E5D9002}" type="datetimeFigureOut">
               <a:rPr lang="en-US" smtClean="0"/>
               <a:pPr/>
-              <a:t>11/5/2018</a:t>
+              <a:t>11/8/2018</a:t>
             </a:fld>
             <a:endParaRPr lang="en-US" dirty="0"/>
           </a:p>
@@ -4744,7 +5793,7 @@
           <a:p>
             <a:fld id="{9334D819-9F07-4261-B09B-9E467E5D9002}" type="datetimeFigureOut">
               <a:rPr lang="en-US" smtClean="0"/>
-              <a:t>11/5/2018</a:t>
+              <a:t>11/8/2018</a:t>
             </a:fld>
             <a:endParaRPr lang="en-US" dirty="0"/>
           </a:p>
@@ -5134,7 +6183,7 @@
           <a:p>
             <a:fld id="{9334D819-9F07-4261-B09B-9E467E5D9002}" type="datetimeFigureOut">
               <a:rPr lang="en-US" smtClean="0"/>
-              <a:t>11/5/2018</a:t>
+              <a:t>11/8/2018</a:t>
             </a:fld>
             <a:endParaRPr lang="en-US" dirty="0"/>
           </a:p>
@@ -5257,7 +6306,7 @@
           <a:p>
             <a:fld id="{9334D819-9F07-4261-B09B-9E467E5D9002}" type="datetimeFigureOut">
               <a:rPr lang="en-US" smtClean="0"/>
-              <a:t>11/5/2018</a:t>
+              <a:t>11/8/2018</a:t>
             </a:fld>
             <a:endParaRPr lang="en-US" dirty="0"/>
           </a:p>
@@ -5352,7 +6401,7 @@
           <a:p>
             <a:fld id="{9334D819-9F07-4261-B09B-9E467E5D9002}" type="datetimeFigureOut">
               <a:rPr lang="en-US" smtClean="0"/>
-              <a:t>11/5/2018</a:t>
+              <a:t>11/8/2018</a:t>
             </a:fld>
             <a:endParaRPr lang="en-US" dirty="0"/>
           </a:p>
@@ -6115,7 +7164,7 @@
           <a:p>
             <a:fld id="{9334D819-9F07-4261-B09B-9E467E5D9002}" type="datetimeFigureOut">
               <a:rPr lang="en-US" smtClean="0"/>
-              <a:t>11/5/2018</a:t>
+              <a:t>11/8/2018</a:t>
             </a:fld>
             <a:endParaRPr lang="en-US" dirty="0"/>
           </a:p>
@@ -6224,7 +7273,7 @@
   <p:extLst mod="1">
     <p:ext uri="{DCECCB84-F9BA-43D5-87BE-67443E8EF086}">
       <p15:sldGuideLst xmlns:p15="http://schemas.microsoft.com/office/powerpoint/2012/main">
-        <p15:guide id="4294967295" orient="horz" pos="696">
+        <p15:guide id="1" orient="horz" pos="696">
           <p15:clr>
             <a:srgbClr val="FBAE40"/>
           </p15:clr>
@@ -6344,7 +7393,7 @@
           <a:p>
             <a:fld id="{9334D819-9F07-4261-B09B-9E467E5D9002}" type="datetimeFigureOut">
               <a:rPr lang="en-US" smtClean="0"/>
-              <a:t>11/5/2018</a:t>
+              <a:t>11/8/2018</a:t>
             </a:fld>
             <a:endParaRPr lang="en-US" dirty="0"/>
           </a:p>
@@ -7125,7 +8174,7 @@
           <a:p>
             <a:fld id="{9334D819-9F07-4261-B09B-9E467E5D9002}" type="datetimeFigureOut">
               <a:rPr lang="en-US" smtClean="0"/>
-              <a:t>11/5/2018</a:t>
+              <a:t>11/8/2018</a:t>
             </a:fld>
             <a:endParaRPr lang="en-US" dirty="0"/>
           </a:p>
@@ -7305,7 +8354,7 @@
           <a:p>
             <a:fld id="{9334D819-9F07-4261-B09B-9E467E5D9002}" type="datetimeFigureOut">
               <a:rPr lang="en-US" smtClean="0"/>
-              <a:t>11/5/2018</a:t>
+              <a:t>11/8/2018</a:t>
             </a:fld>
             <a:endParaRPr lang="en-US" dirty="0"/>
           </a:p>
@@ -7485,7 +8534,7 @@
           <a:p>
             <a:fld id="{9334D819-9F07-4261-B09B-9E467E5D9002}" type="datetimeFigureOut">
               <a:rPr lang="en-US" smtClean="0"/>
-              <a:t>11/5/2018</a:t>
+              <a:t>11/8/2018</a:t>
             </a:fld>
             <a:endParaRPr lang="en-US" dirty="0"/>
           </a:p>
@@ -8758,7 +9807,7 @@
             <a:fld id="{9334D819-9F07-4261-B09B-9E467E5D9002}" type="datetimeFigureOut">
               <a:rPr lang="en-US" smtClean="0"/>
               <a:pPr/>
-              <a:t>11/5/2018</a:t>
+              <a:t>11/8/2018</a:t>
             </a:fld>
             <a:endParaRPr lang="en-US" dirty="0"/>
           </a:p>
@@ -8997,7 +10046,7 @@
           <a:p>
             <a:fld id="{9334D819-9F07-4261-B09B-9E467E5D9002}" type="datetimeFigureOut">
               <a:rPr lang="en-US" smtClean="0"/>
-              <a:t>11/5/2018</a:t>
+              <a:t>11/8/2018</a:t>
             </a:fld>
             <a:endParaRPr lang="en-US" dirty="0"/>
           </a:p>
@@ -9271,7 +10320,7 @@
             <a:fld id="{9334D819-9F07-4261-B09B-9E467E5D9002}" type="datetimeFigureOut">
               <a:rPr lang="en-US" smtClean="0"/>
               <a:pPr/>
-              <a:t>11/5/2018</a:t>
+              <a:t>11/8/2018</a:t>
             </a:fld>
             <a:endParaRPr lang="en-US" dirty="0"/>
           </a:p>
@@ -10473,7 +11522,7 @@
           <a:p>
             <a:fld id="{9334D819-9F07-4261-B09B-9E467E5D9002}" type="datetimeFigureOut">
               <a:rPr lang="en-US" smtClean="0"/>
-              <a:t>11/5/2018</a:t>
+              <a:t>11/8/2018</a:t>
             </a:fld>
             <a:endParaRPr lang="en-US" dirty="0"/>
           </a:p>
@@ -10863,7 +11912,7 @@
           <a:p>
             <a:fld id="{9334D819-9F07-4261-B09B-9E467E5D9002}" type="datetimeFigureOut">
               <a:rPr lang="en-US" smtClean="0"/>
-              <a:t>11/5/2018</a:t>
+              <a:t>11/8/2018</a:t>
             </a:fld>
             <a:endParaRPr lang="en-US" dirty="0"/>
           </a:p>
@@ -10986,7 +12035,7 @@
           <a:p>
             <a:fld id="{9334D819-9F07-4261-B09B-9E467E5D9002}" type="datetimeFigureOut">
               <a:rPr lang="en-US" smtClean="0"/>
-              <a:t>11/5/2018</a:t>
+              <a:t>11/8/2018</a:t>
             </a:fld>
             <a:endParaRPr lang="en-US" dirty="0"/>
           </a:p>
@@ -11081,7 +12130,7 @@
           <a:p>
             <a:fld id="{9334D819-9F07-4261-B09B-9E467E5D9002}" type="datetimeFigureOut">
               <a:rPr lang="en-US" smtClean="0"/>
-              <a:t>11/5/2018</a:t>
+              <a:t>11/8/2018</a:t>
             </a:fld>
             <a:endParaRPr lang="en-US" dirty="0"/>
           </a:p>
@@ -11355,7 +12404,7 @@
             <a:fld id="{9334D819-9F07-4261-B09B-9E467E5D9002}" type="datetimeFigureOut">
               <a:rPr lang="en-US" smtClean="0"/>
               <a:pPr/>
-              <a:t>11/5/2018</a:t>
+              <a:t>11/8/2018</a:t>
             </a:fld>
             <a:endParaRPr lang="en-US" dirty="0"/>
           </a:p>
@@ -13088,7 +14137,7 @@
           <a:p>
             <a:fld id="{9334D819-9F07-4261-B09B-9E467E5D9002}" type="datetimeFigureOut">
               <a:rPr lang="en-US" smtClean="0"/>
-              <a:t>11/5/2018</a:t>
+              <a:t>11/8/2018</a:t>
             </a:fld>
             <a:endParaRPr lang="en-US" dirty="0"/>
           </a:p>
@@ -13197,7 +14246,7 @@
   <p:extLst mod="1">
     <p:ext uri="{DCECCB84-F9BA-43D5-87BE-67443E8EF086}">
       <p15:sldGuideLst xmlns:p15="http://schemas.microsoft.com/office/powerpoint/2012/main">
-        <p15:guide id="4294967295" orient="horz" pos="696">
+        <p15:guide id="1" orient="horz" pos="696">
           <p15:clr>
             <a:srgbClr val="FBAE40"/>
           </p15:clr>
@@ -13928,7 +14977,7 @@
           <a:p>
             <a:fld id="{9334D819-9F07-4261-B09B-9E467E5D9002}" type="datetimeFigureOut">
               <a:rPr lang="en-US" smtClean="0"/>
-              <a:t>11/5/2018</a:t>
+              <a:t>11/8/2018</a:t>
             </a:fld>
             <a:endParaRPr lang="en-US" dirty="0"/>
           </a:p>
@@ -14108,7 +15157,7 @@
           <a:p>
             <a:fld id="{9334D819-9F07-4261-B09B-9E467E5D9002}" type="datetimeFigureOut">
               <a:rPr lang="en-US" smtClean="0"/>
-              <a:t>11/5/2018</a:t>
+              <a:t>11/8/2018</a:t>
             </a:fld>
             <a:endParaRPr lang="en-US" dirty="0"/>
           </a:p>
@@ -14288,7 +15337,7 @@
           <a:p>
             <a:fld id="{9334D819-9F07-4261-B09B-9E467E5D9002}" type="datetimeFigureOut">
               <a:rPr lang="en-US" smtClean="0"/>
-              <a:t>11/5/2018</a:t>
+              <a:t>11/8/2018</a:t>
             </a:fld>
             <a:endParaRPr lang="en-US" dirty="0"/>
           </a:p>
@@ -15572,7 +16621,7 @@
             <a:fld id="{9334D819-9F07-4261-B09B-9E467E5D9002}" type="datetimeFigureOut">
               <a:rPr lang="en-US" smtClean="0"/>
               <a:pPr/>
-              <a:t>11/5/2018</a:t>
+              <a:t>11/8/2018</a:t>
             </a:fld>
             <a:endParaRPr lang="en-US" dirty="0"/>
           </a:p>
@@ -15816,7 +16865,7 @@
           <a:p>
             <a:fld id="{9334D819-9F07-4261-B09B-9E467E5D9002}" type="datetimeFigureOut">
               <a:rPr lang="en-US" smtClean="0"/>
-              <a:t>11/5/2018</a:t>
+              <a:t>11/8/2018</a:t>
             </a:fld>
             <a:endParaRPr lang="en-US" dirty="0"/>
           </a:p>
@@ -16096,7 +17145,7 @@
             <a:fld id="{9334D819-9F07-4261-B09B-9E467E5D9002}" type="datetimeFigureOut">
               <a:rPr lang="en-US" smtClean="0"/>
               <a:pPr/>
-              <a:t>11/5/2018</a:t>
+              <a:t>11/8/2018</a:t>
             </a:fld>
             <a:endParaRPr lang="en-US" dirty="0"/>
           </a:p>
@@ -17298,7 +18347,7 @@
           <a:p>
             <a:fld id="{9334D819-9F07-4261-B09B-9E467E5D9002}" type="datetimeFigureOut">
               <a:rPr lang="en-US" smtClean="0"/>
-              <a:t>11/5/2018</a:t>
+              <a:t>11/8/2018</a:t>
             </a:fld>
             <a:endParaRPr lang="en-US" dirty="0"/>
           </a:p>
@@ -17694,7 +18743,7 @@
           <a:p>
             <a:fld id="{9334D819-9F07-4261-B09B-9E467E5D9002}" type="datetimeFigureOut">
               <a:rPr lang="en-US" smtClean="0"/>
-              <a:t>11/5/2018</a:t>
+              <a:t>11/8/2018</a:t>
             </a:fld>
             <a:endParaRPr lang="en-US" dirty="0"/>
           </a:p>
@@ -17817,7 +18866,7 @@
           <a:p>
             <a:fld id="{9334D819-9F07-4261-B09B-9E467E5D9002}" type="datetimeFigureOut">
               <a:rPr lang="en-US" smtClean="0"/>
-              <a:t>11/5/2018</a:t>
+              <a:t>11/8/2018</a:t>
             </a:fld>
             <a:endParaRPr lang="en-US" dirty="0"/>
           </a:p>
@@ -18049,7 +19098,7 @@
           <a:p>
             <a:fld id="{9334D819-9F07-4261-B09B-9E467E5D9002}" type="datetimeFigureOut">
               <a:rPr lang="en-US" smtClean="0"/>
-              <a:t>11/5/2018</a:t>
+              <a:t>11/8/2018</a:t>
             </a:fld>
             <a:endParaRPr lang="en-US" dirty="0"/>
           </a:p>
@@ -18149,7 +19198,7 @@
           <a:p>
             <a:fld id="{9334D819-9F07-4261-B09B-9E467E5D9002}" type="datetimeFigureOut">
               <a:rPr lang="en-US" smtClean="0"/>
-              <a:t>11/5/2018</a:t>
+              <a:t>11/8/2018</a:t>
             </a:fld>
             <a:endParaRPr lang="en-US" dirty="0"/>
           </a:p>
@@ -18915,7 +19964,7 @@
           <a:p>
             <a:fld id="{9334D819-9F07-4261-B09B-9E467E5D9002}" type="datetimeFigureOut">
               <a:rPr lang="en-US" smtClean="0"/>
-              <a:t>11/5/2018</a:t>
+              <a:t>11/8/2018</a:t>
             </a:fld>
             <a:endParaRPr lang="en-US" dirty="0"/>
           </a:p>
@@ -19024,7 +20073,7 @@
   <p:extLst mod="1">
     <p:ext uri="{DCECCB84-F9BA-43D5-87BE-67443E8EF086}">
       <p15:sldGuideLst xmlns:p15="http://schemas.microsoft.com/office/powerpoint/2012/main">
-        <p15:guide id="4294967295" orient="horz" pos="696">
+        <p15:guide id="1" orient="horz" pos="696">
           <p15:clr>
             <a:srgbClr val="FBAE40"/>
           </p15:clr>
@@ -19758,7 +20807,7 @@
           <a:p>
             <a:fld id="{9334D819-9F07-4261-B09B-9E467E5D9002}" type="datetimeFigureOut">
               <a:rPr lang="en-US" smtClean="0"/>
-              <a:t>11/5/2018</a:t>
+              <a:t>11/8/2018</a:t>
             </a:fld>
             <a:endParaRPr lang="en-US" dirty="0"/>
           </a:p>
@@ -19938,7 +20987,7 @@
           <a:p>
             <a:fld id="{9334D819-9F07-4261-B09B-9E467E5D9002}" type="datetimeFigureOut">
               <a:rPr lang="en-US" smtClean="0"/>
-              <a:t>11/5/2018</a:t>
+              <a:t>11/8/2018</a:t>
             </a:fld>
             <a:endParaRPr lang="en-US" dirty="0"/>
           </a:p>
@@ -20118,7 +21167,7 @@
           <a:p>
             <a:fld id="{9334D819-9F07-4261-B09B-9E467E5D9002}" type="datetimeFigureOut">
               <a:rPr lang="en-US" smtClean="0"/>
-              <a:t>11/5/2018</a:t>
+              <a:t>11/8/2018</a:t>
             </a:fld>
             <a:endParaRPr lang="en-US" dirty="0"/>
           </a:p>
@@ -20503,7 +21552,7 @@
           <a:p>
             <a:fld id="{9334D819-9F07-4261-B09B-9E467E5D9002}" type="datetimeFigureOut">
               <a:rPr lang="en-US" smtClean="0"/>
-              <a:t>11/5/2018</a:t>
+              <a:t>11/8/2018</a:t>
             </a:fld>
             <a:endParaRPr lang="en-US" dirty="0"/>
           </a:p>
@@ -20626,7 +21675,7 @@
           <a:p>
             <a:fld id="{9334D819-9F07-4261-B09B-9E467E5D9002}" type="datetimeFigureOut">
               <a:rPr lang="en-US" smtClean="0"/>
-              <a:t>11/5/2018</a:t>
+              <a:t>11/8/2018</a:t>
             </a:fld>
             <a:endParaRPr lang="en-US" dirty="0"/>
           </a:p>
@@ -20721,7 +21770,7 @@
           <a:p>
             <a:fld id="{9334D819-9F07-4261-B09B-9E467E5D9002}" type="datetimeFigureOut">
               <a:rPr lang="en-US" smtClean="0"/>
-              <a:t>11/5/2018</a:t>
+              <a:t>11/8/2018</a:t>
             </a:fld>
             <a:endParaRPr lang="en-US" dirty="0"/>
           </a:p>
@@ -21484,7 +22533,7 @@
           <a:p>
             <a:fld id="{9334D819-9F07-4261-B09B-9E467E5D9002}" type="datetimeFigureOut">
               <a:rPr lang="en-US" smtClean="0"/>
-              <a:t>11/5/2018</a:t>
+              <a:t>11/8/2018</a:t>
             </a:fld>
             <a:endParaRPr lang="en-US" dirty="0"/>
           </a:p>
@@ -21593,7 +22642,7 @@
   <p:extLst mod="1">
     <p:ext uri="{DCECCB84-F9BA-43D5-87BE-67443E8EF086}">
       <p15:sldGuideLst xmlns:p15="http://schemas.microsoft.com/office/powerpoint/2012/main">
-        <p15:guide id="4294967295" orient="horz" pos="696">
+        <p15:guide id="1" orient="horz" pos="696">
           <p15:clr>
             <a:srgbClr val="FBAE40"/>
           </p15:clr>
@@ -22324,7 +23373,7 @@
           <a:p>
             <a:fld id="{9334D819-9F07-4261-B09B-9E467E5D9002}" type="datetimeFigureOut">
               <a:rPr lang="en-US" smtClean="0"/>
-              <a:t>11/5/2018</a:t>
+              <a:t>11/8/2018</a:t>
             </a:fld>
             <a:endParaRPr lang="en-US" dirty="0"/>
           </a:p>
@@ -22552,7 +23601,7 @@
             <a:fld id="{9334D819-9F07-4261-B09B-9E467E5D9002}" type="datetimeFigureOut">
               <a:rPr lang="en-US" smtClean="0"/>
               <a:pPr/>
-              <a:t>11/5/2018</a:t>
+              <a:t>11/8/2018</a:t>
             </a:fld>
             <a:endParaRPr lang="en-US" dirty="0"/>
           </a:p>
@@ -23499,32 +24548,32 @@
   <p:extLst mod="1">
     <p:ext uri="{27BBF7A9-308A-43DC-89C8-2F10F3537804}">
       <p15:sldGuideLst xmlns:p15="http://schemas.microsoft.com/office/powerpoint/2012/main">
-        <p15:guide id="4294967295" pos="792">
+        <p15:guide id="1" pos="792">
           <p15:clr>
             <a:srgbClr val="F26B43"/>
           </p15:clr>
         </p15:guide>
-        <p15:guide id="4294967295" pos="7200">
+        <p15:guide id="2" pos="7200">
           <p15:clr>
             <a:srgbClr val="F26B43"/>
           </p15:clr>
         </p15:guide>
-        <p15:guide id="4294967295" orient="horz" pos="4008">
+        <p15:guide id="3" orient="horz" pos="4008">
           <p15:clr>
             <a:srgbClr val="F26B43"/>
           </p15:clr>
         </p15:guide>
-        <p15:guide id="4294967295" orient="horz" pos="1440">
+        <p15:guide id="4" orient="horz" pos="1440">
           <p15:clr>
             <a:srgbClr val="F26B43"/>
           </p15:clr>
         </p15:guide>
-        <p15:guide id="4294967295" orient="horz" pos="3720">
+        <p15:guide id="5" orient="horz" pos="3720">
           <p15:clr>
             <a:srgbClr val="F26B43"/>
           </p15:clr>
         </p15:guide>
-        <p15:guide id="4294967295" orient="horz" pos="240">
+        <p15:guide id="6" orient="horz" pos="240">
           <p15:clr>
             <a:srgbClr val="F26B43"/>
           </p15:clr>
@@ -23692,7 +24741,7 @@
             <a:fld id="{9334D819-9F07-4261-B09B-9E467E5D9002}" type="datetimeFigureOut">
               <a:rPr lang="en-US" smtClean="0"/>
               <a:pPr/>
-              <a:t>11/5/2018</a:t>
+              <a:t>11/8/2018</a:t>
             </a:fld>
             <a:endParaRPr lang="en-US" dirty="0"/>
           </a:p>
@@ -24639,32 +25688,32 @@
   <p:extLst mod="1">
     <p:ext uri="{27BBF7A9-308A-43DC-89C8-2F10F3537804}">
       <p15:sldGuideLst xmlns:p15="http://schemas.microsoft.com/office/powerpoint/2012/main">
-        <p15:guide id="4294967295" pos="792">
+        <p15:guide id="1" pos="792">
           <p15:clr>
             <a:srgbClr val="F26B43"/>
           </p15:clr>
         </p15:guide>
-        <p15:guide id="4294967295" pos="7200">
+        <p15:guide id="2" pos="7200">
           <p15:clr>
             <a:srgbClr val="F26B43"/>
           </p15:clr>
         </p15:guide>
-        <p15:guide id="4294967295" orient="horz" pos="4008">
+        <p15:guide id="3" orient="horz" pos="4008">
           <p15:clr>
             <a:srgbClr val="F26B43"/>
           </p15:clr>
         </p15:guide>
-        <p15:guide id="4294967295" orient="horz" pos="1440">
+        <p15:guide id="4" orient="horz" pos="1440">
           <p15:clr>
             <a:srgbClr val="F26B43"/>
           </p15:clr>
         </p15:guide>
-        <p15:guide id="4294967295" orient="horz" pos="3720">
+        <p15:guide id="5" orient="horz" pos="3720">
           <p15:clr>
             <a:srgbClr val="F26B43"/>
           </p15:clr>
         </p15:guide>
-        <p15:guide id="4294967295" orient="horz" pos="240">
+        <p15:guide id="6" orient="horz" pos="240">
           <p15:clr>
             <a:srgbClr val="F26B43"/>
           </p15:clr>
@@ -24832,7 +25881,7 @@
             <a:fld id="{9334D819-9F07-4261-B09B-9E467E5D9002}" type="datetimeFigureOut">
               <a:rPr lang="en-US" smtClean="0"/>
               <a:pPr/>
-              <a:t>11/5/2018</a:t>
+              <a:t>11/8/2018</a:t>
             </a:fld>
             <a:endParaRPr lang="en-US" dirty="0"/>
           </a:p>
@@ -25779,32 +26828,32 @@
   <p:extLst mod="1">
     <p:ext uri="{27BBF7A9-308A-43DC-89C8-2F10F3537804}">
       <p15:sldGuideLst xmlns:p15="http://schemas.microsoft.com/office/powerpoint/2012/main">
-        <p15:guide id="4294967295" pos="792">
+        <p15:guide id="1" pos="792">
           <p15:clr>
             <a:srgbClr val="F26B43"/>
           </p15:clr>
         </p15:guide>
-        <p15:guide id="4294967295" pos="7200">
+        <p15:guide id="2" pos="7200">
           <p15:clr>
             <a:srgbClr val="F26B43"/>
           </p15:clr>
         </p15:guide>
-        <p15:guide id="4294967295" orient="horz" pos="4008">
+        <p15:guide id="3" orient="horz" pos="4008">
           <p15:clr>
             <a:srgbClr val="F26B43"/>
           </p15:clr>
         </p15:guide>
-        <p15:guide id="4294967295" orient="horz" pos="1440">
+        <p15:guide id="4" orient="horz" pos="1440">
           <p15:clr>
             <a:srgbClr val="F26B43"/>
           </p15:clr>
         </p15:guide>
-        <p15:guide id="4294967295" orient="horz" pos="3720">
+        <p15:guide id="5" orient="horz" pos="3720">
           <p15:clr>
             <a:srgbClr val="F26B43"/>
           </p15:clr>
         </p15:guide>
-        <p15:guide id="4294967295" orient="horz" pos="240">
+        <p15:guide id="6" orient="horz" pos="240">
           <p15:clr>
             <a:srgbClr val="F26B43"/>
           </p15:clr>
@@ -25972,7 +27021,7 @@
             <a:fld id="{9334D819-9F07-4261-B09B-9E467E5D9002}" type="datetimeFigureOut">
               <a:rPr lang="en-US" smtClean="0"/>
               <a:pPr/>
-              <a:t>11/5/2018</a:t>
+              <a:t>11/8/2018</a:t>
             </a:fld>
             <a:endParaRPr lang="en-US" dirty="0"/>
           </a:p>
@@ -26925,32 +27974,32 @@
   <p:extLst mod="1">
     <p:ext uri="{27BBF7A9-308A-43DC-89C8-2F10F3537804}">
       <p15:sldGuideLst xmlns:p15="http://schemas.microsoft.com/office/powerpoint/2012/main">
-        <p15:guide id="4294967295" pos="792">
+        <p15:guide id="1" pos="792">
           <p15:clr>
             <a:srgbClr val="F26B43"/>
           </p15:clr>
         </p15:guide>
-        <p15:guide id="4294967295" pos="7200">
+        <p15:guide id="2" pos="7200">
           <p15:clr>
             <a:srgbClr val="F26B43"/>
           </p15:clr>
         </p15:guide>
-        <p15:guide id="4294967295" orient="horz" pos="4008">
+        <p15:guide id="3" orient="horz" pos="4008">
           <p15:clr>
             <a:srgbClr val="F26B43"/>
           </p15:clr>
         </p15:guide>
-        <p15:guide id="4294967295" orient="horz" pos="1440">
+        <p15:guide id="4" orient="horz" pos="1440">
           <p15:clr>
             <a:srgbClr val="F26B43"/>
           </p15:clr>
         </p15:guide>
-        <p15:guide id="4294967295" orient="horz" pos="3720">
+        <p15:guide id="5" orient="horz" pos="3720">
           <p15:clr>
             <a:srgbClr val="F26B43"/>
           </p15:clr>
         </p15:guide>
-        <p15:guide id="4294967295" orient="horz" pos="240">
+        <p15:guide id="6" orient="horz" pos="240">
           <p15:clr>
             <a:srgbClr val="F26B43"/>
           </p15:clr>
@@ -27019,10 +28068,9 @@
           <a:lstStyle/>
           <a:p>
             <a:r>
-              <a:rPr lang="en-US" smtClean="0"/>
+              <a:rPr lang="en-US" dirty="0" smtClean="0"/>
               <a:t>And promises to polymorphism</a:t>
             </a:r>
-            <a:endParaRPr lang="en-US" dirty="0" smtClean="0"/>
           </a:p>
           <a:p>
             <a:r>
@@ -27034,6 +28082,35 @@
               <a:t>Shannon Cavanagh</a:t>
             </a:r>
             <a:endParaRPr lang="en-US" b="0" dirty="0"/>
+          </a:p>
+        </p:txBody>
+      </p:sp>
+      <p:sp>
+        <p:nvSpPr>
+          <p:cNvPr id="4" name="TextBox 3"/>
+          <p:cNvSpPr txBox="1"/>
+          <p:nvPr/>
+        </p:nvSpPr>
+        <p:spPr>
+          <a:xfrm>
+            <a:off x="7626263" y="243236"/>
+            <a:ext cx="4565737" cy="369332"/>
+          </a:xfrm>
+          <a:prstGeom prst="rect">
+            <a:avLst/>
+          </a:prstGeom>
+          <a:noFill/>
+        </p:spPr>
+        <p:txBody>
+          <a:bodyPr wrap="none" rtlCol="0">
+            <a:spAutoFit/>
+          </a:bodyPr>
+          <a:lstStyle/>
+          <a:p>
+            <a:r>
+              <a:rPr lang="en-US" dirty="0"/>
+              <a:t>https://github.com/meatRay/RochDev_Variance</a:t>
+            </a:r>
           </a:p>
         </p:txBody>
       </p:sp>
@@ -27047,11 +28124,11 @@
   <p:clrMapOvr>
     <a:masterClrMapping/>
   </p:clrMapOvr>
-  <mc:AlternateContent xmlns:mc="http://schemas.openxmlformats.org/markup-compatibility/2006">
-    <mc:Choice xmlns:p14="http://schemas.microsoft.com/office/powerpoint/2010/main" Requires="p14">
+  <mc:AlternateContent xmlns:mc="http://schemas.openxmlformats.org/markup-compatibility/2006" xmlns:p14="http://schemas.microsoft.com/office/powerpoint/2010/main">
+    <mc:Choice Requires="p14">
       <p:transition p14:dur="0"/>
     </mc:Choice>
-    <mc:Fallback>
+    <mc:Fallback xmlns="">
       <p:transition/>
     </mc:Fallback>
   </mc:AlternateContent>
@@ -27451,6 +28528,35 @@
           </a:p>
         </p:txBody>
       </p:sp>
+      <p:sp>
+        <p:nvSpPr>
+          <p:cNvPr id="6" name="TextBox 5"/>
+          <p:cNvSpPr txBox="1"/>
+          <p:nvPr/>
+        </p:nvSpPr>
+        <p:spPr>
+          <a:xfrm>
+            <a:off x="7626263" y="243236"/>
+            <a:ext cx="4565737" cy="369332"/>
+          </a:xfrm>
+          <a:prstGeom prst="rect">
+            <a:avLst/>
+          </a:prstGeom>
+          <a:noFill/>
+        </p:spPr>
+        <p:txBody>
+          <a:bodyPr wrap="none" rtlCol="0">
+            <a:spAutoFit/>
+          </a:bodyPr>
+          <a:lstStyle/>
+          <a:p>
+            <a:r>
+              <a:rPr lang="en-US" dirty="0"/>
+              <a:t>https://github.com/meatRay/RochDev_Variance</a:t>
+            </a:r>
+          </a:p>
+        </p:txBody>
+      </p:sp>
     </p:spTree>
     <p:extLst>
       <p:ext uri="{BB962C8B-B14F-4D97-AF65-F5344CB8AC3E}">
@@ -27762,7 +28868,7 @@
           <p:nvPr/>
         </p:nvPicPr>
         <p:blipFill>
-          <a:blip r:embed="rId2"/>
+          <a:blip r:embed="rId3"/>
           <a:stretch>
             <a:fillRect/>
           </a:stretch>
@@ -27786,7 +28892,7 @@
           <p:nvPr/>
         </p:nvPicPr>
         <p:blipFill>
-          <a:blip r:embed="rId3"/>
+          <a:blip r:embed="rId4"/>
           <a:stretch>
             <a:fillRect/>
           </a:stretch>
@@ -27875,7 +28981,7 @@
           </p:nvPr>
         </p:nvPicPr>
         <p:blipFill>
-          <a:blip r:embed="rId2"/>
+          <a:blip r:embed="rId3"/>
           <a:stretch>
             <a:fillRect/>
           </a:stretch>
@@ -28038,7 +29144,7 @@
           <p:nvPr/>
         </p:nvPicPr>
         <p:blipFill>
-          <a:blip r:embed="rId2"/>
+          <a:blip r:embed="rId3"/>
           <a:stretch>
             <a:fillRect/>
           </a:stretch>
@@ -28260,7 +29366,7 @@
           <p:nvPr/>
         </p:nvPicPr>
         <p:blipFill>
-          <a:blip r:embed="rId2"/>
+          <a:blip r:embed="rId3"/>
           <a:stretch>
             <a:fillRect/>
           </a:stretch>
@@ -29568,4 +30674,265 @@
     </a:ext>
   </a:extLst>
 </a:theme>
+</file>
+
+<file path=ppt/theme/theme5.xml><?xml version="1.0" encoding="utf-8"?>
+<a:theme xmlns:a="http://schemas.openxmlformats.org/drawingml/2006/main" name="Office Theme">
+  <a:themeElements>
+    <a:clrScheme name="Office">
+      <a:dk1>
+        <a:sysClr val="windowText" lastClr="000000"/>
+      </a:dk1>
+      <a:lt1>
+        <a:sysClr val="window" lastClr="FFFFFF"/>
+      </a:lt1>
+      <a:dk2>
+        <a:srgbClr val="44546A"/>
+      </a:dk2>
+      <a:lt2>
+        <a:srgbClr val="E7E6E6"/>
+      </a:lt2>
+      <a:accent1>
+        <a:srgbClr val="5B9BD5"/>
+      </a:accent1>
+      <a:accent2>
+        <a:srgbClr val="ED7D31"/>
+      </a:accent2>
+      <a:accent3>
+        <a:srgbClr val="A5A5A5"/>
+      </a:accent3>
+      <a:accent4>
+        <a:srgbClr val="FFC000"/>
+      </a:accent4>
+      <a:accent5>
+        <a:srgbClr val="4472C4"/>
+      </a:accent5>
+      <a:accent6>
+        <a:srgbClr val="70AD47"/>
+      </a:accent6>
+      <a:hlink>
+        <a:srgbClr val="0563C1"/>
+      </a:hlink>
+      <a:folHlink>
+        <a:srgbClr val="954F72"/>
+      </a:folHlink>
+    </a:clrScheme>
+    <a:fontScheme name="Office">
+      <a:majorFont>
+        <a:latin typeface="Calibri Light" panose="020F0302020204030204"/>
+        <a:ea typeface=""/>
+        <a:cs typeface=""/>
+        <a:font script="Jpan" typeface="ＭＳ Ｐゴシック"/>
+        <a:font script="Hang" typeface="맑은 고딕"/>
+        <a:font script="Hans" typeface="宋体"/>
+        <a:font script="Hant" typeface="新細明體"/>
+        <a:font script="Arab" typeface="Times New Roman"/>
+        <a:font script="Hebr" typeface="Times New Roman"/>
+        <a:font script="Thai" typeface="Angsana New"/>
+        <a:font script="Ethi" typeface="Nyala"/>
+        <a:font script="Beng" typeface="Vrinda"/>
+        <a:font script="Gujr" typeface="Shruti"/>
+        <a:font script="Khmr" typeface="MoolBoran"/>
+        <a:font script="Knda" typeface="Tunga"/>
+        <a:font script="Guru" typeface="Raavi"/>
+        <a:font script="Cans" typeface="Euphemia"/>
+        <a:font script="Cher" typeface="Plantagenet Cherokee"/>
+        <a:font script="Yiii" typeface="Microsoft Yi Baiti"/>
+        <a:font script="Tibt" typeface="Microsoft Himalaya"/>
+        <a:font script="Thaa" typeface="MV Boli"/>
+        <a:font script="Deva" typeface="Mangal"/>
+        <a:font script="Telu" typeface="Gautami"/>
+        <a:font script="Taml" typeface="Latha"/>
+        <a:font script="Syrc" typeface="Estrangelo Edessa"/>
+        <a:font script="Orya" typeface="Kalinga"/>
+        <a:font script="Mlym" typeface="Kartika"/>
+        <a:font script="Laoo" typeface="DokChampa"/>
+        <a:font script="Sinh" typeface="Iskoola Pota"/>
+        <a:font script="Mong" typeface="Mongolian Baiti"/>
+        <a:font script="Viet" typeface="Times New Roman"/>
+        <a:font script="Uigh" typeface="Microsoft Uighur"/>
+        <a:font script="Geor" typeface="Sylfaen"/>
+      </a:majorFont>
+      <a:minorFont>
+        <a:latin typeface="Calibri" panose="020F0502020204030204"/>
+        <a:ea typeface=""/>
+        <a:cs typeface=""/>
+        <a:font script="Jpan" typeface="ＭＳ Ｐゴシック"/>
+        <a:font script="Hang" typeface="맑은 고딕"/>
+        <a:font script="Hans" typeface="宋体"/>
+        <a:font script="Hant" typeface="新細明體"/>
+        <a:font script="Arab" typeface="Arial"/>
+        <a:font script="Hebr" typeface="Arial"/>
+        <a:font script="Thai" typeface="Cordia New"/>
+        <a:font script="Ethi" typeface="Nyala"/>
+        <a:font script="Beng" typeface="Vrinda"/>
+        <a:font script="Gujr" typeface="Shruti"/>
+        <a:font script="Khmr" typeface="DaunPenh"/>
+        <a:font script="Knda" typeface="Tunga"/>
+        <a:font script="Guru" typeface="Raavi"/>
+        <a:font script="Cans" typeface="Euphemia"/>
+        <a:font script="Cher" typeface="Plantagenet Cherokee"/>
+        <a:font script="Yiii" typeface="Microsoft Yi Baiti"/>
+        <a:font script="Tibt" typeface="Microsoft Himalaya"/>
+        <a:font script="Thaa" typeface="MV Boli"/>
+        <a:font script="Deva" typeface="Mangal"/>
+        <a:font script="Telu" typeface="Gautami"/>
+        <a:font script="Taml" typeface="Latha"/>
+        <a:font script="Syrc" typeface="Estrangelo Edessa"/>
+        <a:font script="Orya" typeface="Kalinga"/>
+        <a:font script="Mlym" typeface="Kartika"/>
+        <a:font script="Laoo" typeface="DokChampa"/>
+        <a:font script="Sinh" typeface="Iskoola Pota"/>
+        <a:font script="Mong" typeface="Mongolian Baiti"/>
+        <a:font script="Viet" typeface="Arial"/>
+        <a:font script="Uigh" typeface="Microsoft Uighur"/>
+        <a:font script="Geor" typeface="Sylfaen"/>
+      </a:minorFont>
+    </a:fontScheme>
+    <a:fmtScheme name="Office">
+      <a:fillStyleLst>
+        <a:solidFill>
+          <a:schemeClr val="phClr"/>
+        </a:solidFill>
+        <a:gradFill rotWithShape="1">
+          <a:gsLst>
+            <a:gs pos="0">
+              <a:schemeClr val="phClr">
+                <a:lumMod val="110000"/>
+                <a:satMod val="105000"/>
+                <a:tint val="67000"/>
+              </a:schemeClr>
+            </a:gs>
+            <a:gs pos="50000">
+              <a:schemeClr val="phClr">
+                <a:lumMod val="105000"/>
+                <a:satMod val="103000"/>
+                <a:tint val="73000"/>
+              </a:schemeClr>
+            </a:gs>
+            <a:gs pos="100000">
+              <a:schemeClr val="phClr">
+                <a:lumMod val="105000"/>
+                <a:satMod val="109000"/>
+                <a:tint val="81000"/>
+              </a:schemeClr>
+            </a:gs>
+          </a:gsLst>
+          <a:lin ang="5400000" scaled="0"/>
+        </a:gradFill>
+        <a:gradFill rotWithShape="1">
+          <a:gsLst>
+            <a:gs pos="0">
+              <a:schemeClr val="phClr">
+                <a:satMod val="103000"/>
+                <a:lumMod val="102000"/>
+                <a:tint val="94000"/>
+              </a:schemeClr>
+            </a:gs>
+            <a:gs pos="50000">
+              <a:schemeClr val="phClr">
+                <a:satMod val="110000"/>
+                <a:lumMod val="100000"/>
+                <a:shade val="100000"/>
+              </a:schemeClr>
+            </a:gs>
+            <a:gs pos="100000">
+              <a:schemeClr val="phClr">
+                <a:lumMod val="99000"/>
+                <a:satMod val="120000"/>
+                <a:shade val="78000"/>
+              </a:schemeClr>
+            </a:gs>
+          </a:gsLst>
+          <a:lin ang="5400000" scaled="0"/>
+        </a:gradFill>
+      </a:fillStyleLst>
+      <a:lnStyleLst>
+        <a:ln w="6350" cap="flat" cmpd="sng" algn="ctr">
+          <a:solidFill>
+            <a:schemeClr val="phClr"/>
+          </a:solidFill>
+          <a:prstDash val="solid"/>
+          <a:miter lim="800000"/>
+        </a:ln>
+        <a:ln w="12700" cap="flat" cmpd="sng" algn="ctr">
+          <a:solidFill>
+            <a:schemeClr val="phClr"/>
+          </a:solidFill>
+          <a:prstDash val="solid"/>
+          <a:miter lim="800000"/>
+        </a:ln>
+        <a:ln w="19050" cap="flat" cmpd="sng" algn="ctr">
+          <a:solidFill>
+            <a:schemeClr val="phClr"/>
+          </a:solidFill>
+          <a:prstDash val="solid"/>
+          <a:miter lim="800000"/>
+        </a:ln>
+      </a:lnStyleLst>
+      <a:effectStyleLst>
+        <a:effectStyle>
+          <a:effectLst/>
+        </a:effectStyle>
+        <a:effectStyle>
+          <a:effectLst/>
+        </a:effectStyle>
+        <a:effectStyle>
+          <a:effectLst>
+            <a:outerShdw blurRad="57150" dist="19050" dir="5400000" algn="ctr" rotWithShape="0">
+              <a:srgbClr val="000000">
+                <a:alpha val="63000"/>
+              </a:srgbClr>
+            </a:outerShdw>
+          </a:effectLst>
+        </a:effectStyle>
+      </a:effectStyleLst>
+      <a:bgFillStyleLst>
+        <a:solidFill>
+          <a:schemeClr val="phClr"/>
+        </a:solidFill>
+        <a:solidFill>
+          <a:schemeClr val="phClr">
+            <a:tint val="95000"/>
+            <a:satMod val="170000"/>
+          </a:schemeClr>
+        </a:solidFill>
+        <a:gradFill rotWithShape="1">
+          <a:gsLst>
+            <a:gs pos="0">
+              <a:schemeClr val="phClr">
+                <a:tint val="93000"/>
+                <a:satMod val="150000"/>
+                <a:shade val="98000"/>
+                <a:lumMod val="102000"/>
+              </a:schemeClr>
+            </a:gs>
+            <a:gs pos="50000">
+              <a:schemeClr val="phClr">
+                <a:tint val="98000"/>
+                <a:satMod val="130000"/>
+                <a:shade val="90000"/>
+                <a:lumMod val="103000"/>
+              </a:schemeClr>
+            </a:gs>
+            <a:gs pos="100000">
+              <a:schemeClr val="phClr">
+                <a:shade val="63000"/>
+                <a:satMod val="120000"/>
+              </a:schemeClr>
+            </a:gs>
+          </a:gsLst>
+          <a:lin ang="5400000" scaled="0"/>
+        </a:gradFill>
+      </a:bgFillStyleLst>
+    </a:fmtScheme>
+  </a:themeElements>
+  <a:objectDefaults/>
+  <a:extraClrSchemeLst/>
+  <a:extLst>
+    <a:ext uri="{05A4C25C-085E-4340-85A3-A5531E510DB2}">
+      <thm15:themeFamily xmlns:thm15="http://schemas.microsoft.com/office/thememl/2012/main" name="Office Theme" id="{62F939B6-93AF-4DB8-9C6B-D6C7DFDC589F}" vid="{4A3C46E8-61CC-4603-A589-7422A47A8E4A}"/>
+    </a:ext>
+  </a:extLst>
+</a:theme>
 </file>